--- a/Calendario/Presentaciones/4_FHRP.pptx
+++ b/Calendario/Presentaciones/4_FHRP.pptx
@@ -284,7 +284,7 @@
           <a:p>
             <a:fld id="{136337D9-3022-3D41-8D8A-BDF2F3B0DD8E}" type="datetimeFigureOut">
               <a:rPr lang="en-US" smtClean="0"/>
-              <a:t>4/2/2023</a:t>
+              <a:t>4/12/2023</a:t>
             </a:fld>
             <a:endParaRPr lang="en-US" dirty="0"/>
           </a:p>
@@ -16897,7 +16897,7 @@
         <p:fade/>
       </p:transition>
     </mc:Choice>
-    <mc:Fallback xmlns="" xmlns:c15="http://schemas.microsoft.com/office/drawing/2012/chart" xmlns:c="http://schemas.openxmlformats.org/drawingml/2006/chart">
+    <mc:Fallback xmlns:c="http://schemas.openxmlformats.org/drawingml/2006/chart" xmlns:c15="http://schemas.microsoft.com/office/drawing/2012/chart" xmlns="">
       <p:transition xmlns:p14="http://schemas.microsoft.com/office/powerpoint/2010/main" spd="med">
         <p:fade/>
       </p:transition>
@@ -24041,7 +24041,7 @@
               <a:t> disponible en línea con una prioridad HSRP más alta asume el rol de </a:t>
             </a:r>
             <a:r>
-              <a:rPr lang="es-419" sz="1200" dirty="0" err="1">
+              <a:rPr lang="es-419" sz="1200" b="1" dirty="0" err="1">
                 <a:solidFill>
                   <a:srgbClr val="000000"/>
                 </a:solidFill>
@@ -24049,12 +24049,20 @@
               <a:t>router</a:t>
             </a:r>
             <a:r>
+              <a:rPr lang="es-419" sz="1200" b="1" dirty="0">
+                <a:solidFill>
+                  <a:srgbClr val="000000"/>
+                </a:solidFill>
+              </a:rPr>
+              <a:t> activo</a:t>
+            </a:r>
+            <a:r>
               <a:rPr lang="es-419" sz="1200" dirty="0">
                 <a:solidFill>
                   <a:srgbClr val="000000"/>
                 </a:solidFill>
               </a:rPr>
-              <a:t> activo.</a:t>
+              <a:t>.</a:t>
             </a:r>
           </a:p>
           <a:p>
@@ -24445,7 +24453,7 @@
               <a:t> se convierte en el </a:t>
             </a:r>
             <a:r>
-              <a:rPr lang="es-ES" sz="1200" dirty="0" err="1">
+              <a:rPr lang="es-ES" sz="1200" b="1" dirty="0" err="1">
                 <a:solidFill>
                   <a:srgbClr val="000000"/>
                 </a:solidFill>
@@ -24453,12 +24461,20 @@
               <a:t>router</a:t>
             </a:r>
             <a:r>
+              <a:rPr lang="es-ES" sz="1200" b="1" dirty="0">
+                <a:solidFill>
+                  <a:srgbClr val="000000"/>
+                </a:solidFill>
+              </a:rPr>
+              <a:t> activo</a:t>
+            </a:r>
+            <a:r>
               <a:rPr lang="es-ES" sz="1200" dirty="0">
                 <a:solidFill>
                   <a:srgbClr val="000000"/>
                 </a:solidFill>
               </a:rPr>
-              <a:t> activo, seguirá siendo el </a:t>
+              <a:t>, seguirá siendo el </a:t>
             </a:r>
             <a:r>
               <a:rPr lang="es-ES" sz="1200" dirty="0" err="1">
@@ -24511,7 +24527,7 @@
         <p:fade/>
       </p:transition>
     </mc:Choice>
-    <mc:Fallback xmlns:c15="http://schemas.microsoft.com/office/drawing/2012/chart" xmlns:c="http://schemas.openxmlformats.org/drawingml/2006/chart" xmlns="">
+    <mc:Fallback xmlns="" xmlns:c="http://schemas.openxmlformats.org/drawingml/2006/chart" xmlns:c15="http://schemas.microsoft.com/office/drawing/2012/chart">
       <p:transition spd="med">
         <p:fade/>
       </p:transition>
@@ -24703,7 +24719,7 @@
                   <a:srgbClr val="FF0000"/>
                 </a:solidFill>
               </a:rPr>
-              <a:t>Si falla la interfaz de enrutador de puerta de enlace predeterminada, los hosts LAN pierden conectividad LAN externa</a:t>
+              <a:t>Si falla la interfaz del ruteador de puerta de enlace predeterminada, los hosts LAN pierden conectividad LAN externa</a:t>
             </a:r>
             <a:r>
               <a:rPr lang="es-419" sz="1600" dirty="0">
@@ -24728,7 +24744,7 @@
                   <a:srgbClr val="000000"/>
                 </a:solidFill>
               </a:rPr>
-              <a:t>Esto ocurre incluso si existe un enrutador redundante o un switch de capa 3 que podría servir como puerta de enlace predeterminada.</a:t>
+              <a:t>Esto ocurre incluso si existe un ruteador redundante o un switch de capa 3 que podría servir como puerta de enlace predeterminada.</a:t>
             </a:r>
           </a:p>
           <a:p>
@@ -24809,7 +24825,7 @@
         <p:fade/>
       </p:transition>
     </mc:Choice>
-    <mc:Fallback xmlns:c15="http://schemas.microsoft.com/office/drawing/2012/chart" xmlns:c="http://schemas.openxmlformats.org/drawingml/2006/chart" xmlns="">
+    <mc:Fallback xmlns="" xmlns:c="http://schemas.openxmlformats.org/drawingml/2006/chart" xmlns:c15="http://schemas.microsoft.com/office/drawing/2012/chart">
       <p:transition spd="med">
         <p:fade/>
       </p:transition>
@@ -24894,8 +24910,8 @@
         </p:nvSpPr>
         <p:spPr>
           <a:xfrm>
-            <a:off x="474662" y="731837"/>
-            <a:ext cx="8280057" cy="3689897"/>
+            <a:off x="329883" y="1054461"/>
+            <a:ext cx="4447857" cy="3448959"/>
           </a:xfrm>
         </p:spPr>
         <p:txBody>
@@ -24949,39 +24965,7 @@
                   <a:srgbClr val="000000"/>
                 </a:solidFill>
               </a:rPr>
-              <a:t>. Para implementar este tipo de redundancia de enrutadores, varios enrutadores están configurados para trabajar juntos y presentar la ilusión de un solo enrutador a los hosts en la LAN. Al compartir una dirección IP y una dirección MAC, dos o más </a:t>
-            </a:r>
-            <a:r>
-              <a:rPr lang="es-419" sz="1400" dirty="0" err="1">
-                <a:solidFill>
-                  <a:srgbClr val="000000"/>
-                </a:solidFill>
-              </a:rPr>
-              <a:t>routers</a:t>
-            </a:r>
-            <a:r>
-              <a:rPr lang="es-419" sz="1400" dirty="0">
-                <a:solidFill>
-                  <a:srgbClr val="000000"/>
-                </a:solidFill>
-              </a:rPr>
-              <a:t> pueden funcionar como un único </a:t>
-            </a:r>
-            <a:r>
-              <a:rPr lang="es-419" sz="1400" dirty="0" err="1">
-                <a:solidFill>
-                  <a:srgbClr val="000000"/>
-                </a:solidFill>
-              </a:rPr>
-              <a:t>router</a:t>
-            </a:r>
-            <a:r>
-              <a:rPr lang="es-419" sz="1400" dirty="0">
-                <a:solidFill>
-                  <a:srgbClr val="000000"/>
-                </a:solidFill>
-              </a:rPr>
-              <a:t> virtual.</a:t>
+              <a:t>. Para implementar este tipo de redundancia de ruteadores, varios ruteadores están configurados para trabajar juntos y presentar la ilusión de un solo ruteador a los hosts en la LAN. </a:t>
             </a:r>
           </a:p>
           <a:p>
@@ -25025,39 +25009,7 @@
                   <a:srgbClr val="000000"/>
                 </a:solidFill>
               </a:rPr>
-              <a:t>Cuando se envían tramas desde los dispositivos host hacia el </a:t>
-            </a:r>
-            <a:r>
-              <a:rPr lang="es-419" sz="1400" dirty="0" err="1">
-                <a:solidFill>
-                  <a:srgbClr val="000000"/>
-                </a:solidFill>
-              </a:rPr>
-              <a:t>gateway</a:t>
-            </a:r>
-            <a:r>
-              <a:rPr lang="es-419" sz="1400" dirty="0">
-                <a:solidFill>
-                  <a:srgbClr val="000000"/>
-                </a:solidFill>
-              </a:rPr>
-              <a:t> predeterminado, los hosts utilizan ARP para resolver la dirección MAC asociada a la dirección IPv4 del </a:t>
-            </a:r>
-            <a:r>
-              <a:rPr lang="es-419" sz="1400" dirty="0" err="1">
-                <a:solidFill>
-                  <a:srgbClr val="000000"/>
-                </a:solidFill>
-              </a:rPr>
-              <a:t>gateway</a:t>
-            </a:r>
-            <a:r>
-              <a:rPr lang="es-419" sz="1400" dirty="0">
-                <a:solidFill>
-                  <a:srgbClr val="000000"/>
-                </a:solidFill>
-              </a:rPr>
-              <a:t> predeterminado. La resolución de ARP devuelve la dirección MAC del </a:t>
+              <a:t>Los dispositivos host envían el tráfico a la dirección del </a:t>
             </a:r>
             <a:r>
               <a:rPr lang="es-419" sz="1400" dirty="0" err="1">
@@ -25089,124 +25041,8 @@
                   <a:srgbClr val="000000"/>
                 </a:solidFill>
               </a:rPr>
-              <a:t> actualmente activo dentro del grupo de </a:t>
-            </a:r>
-            <a:r>
-              <a:rPr lang="es-419" sz="1400" dirty="0" err="1">
-                <a:solidFill>
-                  <a:srgbClr val="000000"/>
-                </a:solidFill>
-              </a:rPr>
-              <a:t>routers</a:t>
-            </a:r>
-            <a:r>
-              <a:rPr lang="es-419" sz="1400" dirty="0">
-                <a:solidFill>
-                  <a:srgbClr val="000000"/>
-                </a:solidFill>
-              </a:rPr>
-              <a:t> virtuales puede procesar físicamente las tramas que se envían a la dirección MAC del </a:t>
-            </a:r>
-            <a:r>
-              <a:rPr lang="es-419" sz="1400" dirty="0" err="1">
-                <a:solidFill>
-                  <a:srgbClr val="000000"/>
-                </a:solidFill>
-              </a:rPr>
-              <a:t>router</a:t>
-            </a:r>
-            <a:r>
-              <a:rPr lang="es-419" sz="1400" dirty="0">
-                <a:solidFill>
-                  <a:srgbClr val="000000"/>
-                </a:solidFill>
-              </a:rPr>
-              <a:t> virtual. </a:t>
-            </a:r>
-          </a:p>
-          <a:p>
-            <a:pPr marL="342900" indent="-342900" algn="l" rtl="0">
-              <a:buFont typeface="Arial" panose="020B0604020202020204" pitchFamily="34" charset="0"/>
-              <a:buChar char="•"/>
-            </a:pPr>
-            <a:r>
-              <a:rPr lang="es-419" sz="1400" dirty="0">
-                <a:solidFill>
-                  <a:srgbClr val="000000"/>
-                </a:solidFill>
-              </a:rPr>
-              <a:t>Los protocolos se utilizan para identificar dos o más </a:t>
-            </a:r>
-            <a:r>
-              <a:rPr lang="es-419" sz="1400" dirty="0" err="1">
-                <a:solidFill>
-                  <a:srgbClr val="000000"/>
-                </a:solidFill>
-              </a:rPr>
-              <a:t>routers</a:t>
-            </a:r>
-            <a:r>
-              <a:rPr lang="es-419" sz="1400" dirty="0">
-                <a:solidFill>
-                  <a:srgbClr val="000000"/>
-                </a:solidFill>
-              </a:rPr>
-              <a:t> como los dispositivos responsables de procesar tramas que se envían a la dirección MAC o IP de un único </a:t>
-            </a:r>
-            <a:r>
-              <a:rPr lang="es-419" sz="1400" dirty="0" err="1">
-                <a:solidFill>
-                  <a:srgbClr val="000000"/>
-                </a:solidFill>
-              </a:rPr>
-              <a:t>router</a:t>
-            </a:r>
-            <a:r>
-              <a:rPr lang="es-419" sz="1400" dirty="0">
-                <a:solidFill>
-                  <a:srgbClr val="000000"/>
-                </a:solidFill>
-              </a:rPr>
-              <a:t> virtual. Los dispositivos host envían el tráfico a la dirección del </a:t>
-            </a:r>
-            <a:r>
-              <a:rPr lang="es-419" sz="1400" dirty="0" err="1">
-                <a:solidFill>
-                  <a:srgbClr val="000000"/>
-                </a:solidFill>
-              </a:rPr>
-              <a:t>router</a:t>
-            </a:r>
-            <a:r>
-              <a:rPr lang="es-419" sz="1400" dirty="0">
-                <a:solidFill>
-                  <a:srgbClr val="000000"/>
-                </a:solidFill>
-              </a:rPr>
-              <a:t> virtual. El </a:t>
-            </a:r>
-            <a:r>
-              <a:rPr lang="es-419" sz="1400" dirty="0" err="1">
-                <a:solidFill>
-                  <a:srgbClr val="000000"/>
-                </a:solidFill>
-              </a:rPr>
-              <a:t>router</a:t>
-            </a:r>
-            <a:r>
-              <a:rPr lang="es-419" sz="1400" dirty="0">
-                <a:solidFill>
-                  <a:srgbClr val="000000"/>
-                </a:solidFill>
-              </a:rPr>
               <a:t> físico que reenvía este tráfico es transparente para los dispositivos host.</a:t>
             </a:r>
-          </a:p>
-          <a:p>
-            <a:pPr marL="342900" indent="-342900" algn="l">
-              <a:buFont typeface="Arial" panose="020B0604020202020204" pitchFamily="34" charset="0"/>
-              <a:buChar char="•"/>
-            </a:pPr>
             <a:endParaRPr lang="en-US" sz="1200" dirty="0">
               <a:solidFill>
                 <a:srgbClr val="000000"/>
@@ -25215,6 +25051,36 @@
           </a:p>
         </p:txBody>
       </p:sp>
+      <p:pic>
+        <p:nvPicPr>
+          <p:cNvPr id="2" name="Picture 1">
+            <a:extLst>
+              <a:ext uri="{FF2B5EF4-FFF2-40B4-BE49-F238E27FC236}">
+                <a16:creationId xmlns:a16="http://schemas.microsoft.com/office/drawing/2014/main" id="{07D39792-C3C8-BB8A-F7CE-7B8DFB7ECBA2}"/>
+              </a:ext>
+            </a:extLst>
+          </p:cNvPr>
+          <p:cNvPicPr>
+            <a:picLocks noChangeAspect="1"/>
+          </p:cNvPicPr>
+          <p:nvPr/>
+        </p:nvPicPr>
+        <p:blipFill>
+          <a:blip r:embed="rId3"/>
+          <a:stretch>
+            <a:fillRect/>
+          </a:stretch>
+        </p:blipFill>
+        <p:spPr>
+          <a:xfrm>
+            <a:off x="4964598" y="898600"/>
+            <a:ext cx="3631873" cy="3361540"/>
+          </a:xfrm>
+          <a:prstGeom prst="rect">
+            <a:avLst/>
+          </a:prstGeom>
+        </p:spPr>
+      </p:pic>
     </p:spTree>
     <p:extLst>
       <p:ext uri="{BB962C8B-B14F-4D97-AF65-F5344CB8AC3E}">
@@ -25231,7 +25097,7 @@
         <p:fade/>
       </p:transition>
     </mc:Choice>
-    <mc:Fallback xmlns:c15="http://schemas.microsoft.com/office/drawing/2012/chart" xmlns:c="http://schemas.openxmlformats.org/drawingml/2006/chart" xmlns="">
+    <mc:Fallback xmlns="" xmlns:c="http://schemas.openxmlformats.org/drawingml/2006/chart" xmlns:c15="http://schemas.microsoft.com/office/drawing/2012/chart">
       <p:transition spd="med">
         <p:fade/>
       </p:transition>
@@ -25316,8 +25182,8 @@
         </p:nvSpPr>
         <p:spPr>
           <a:xfrm>
-            <a:off x="474662" y="731837"/>
-            <a:ext cx="8280057" cy="3689897"/>
+            <a:off x="313853" y="907097"/>
+            <a:ext cx="4409758" cy="3689897"/>
           </a:xfrm>
         </p:spPr>
         <p:txBody>
@@ -25350,10 +25216,26 @@
                   <a:srgbClr val="000000"/>
                 </a:solidFill>
               </a:rPr>
-              <a:t> debe cumplir la función activa en el reenvío de tráfico. Además, determina cuándo un </a:t>
+              <a:t> debe cumplir la función </a:t>
             </a:r>
             <a:r>
-              <a:rPr lang="es-419" sz="1600" dirty="0" err="1">
+              <a:rPr lang="es-419" sz="1600" b="1" dirty="0">
+                <a:solidFill>
+                  <a:srgbClr val="000000"/>
+                </a:solidFill>
+              </a:rPr>
+              <a:t>activa</a:t>
+            </a:r>
+            <a:r>
+              <a:rPr lang="es-419" sz="1600" dirty="0">
+                <a:solidFill>
+                  <a:srgbClr val="000000"/>
+                </a:solidFill>
+              </a:rPr>
+              <a:t> en el reenvío de tráfico. Además, determina cuándo un </a:t>
+            </a:r>
+            <a:r>
+              <a:rPr lang="es-419" sz="1600" b="1" dirty="0" err="1">
                 <a:solidFill>
                   <a:srgbClr val="000000"/>
                 </a:solidFill>
@@ -25361,12 +25243,20 @@
               <a:t>router</a:t>
             </a:r>
             <a:r>
+              <a:rPr lang="es-419" sz="1600" b="1" dirty="0">
+                <a:solidFill>
+                  <a:srgbClr val="000000"/>
+                </a:solidFill>
+              </a:rPr>
+              <a:t> de reserva </a:t>
+            </a:r>
+            <a:r>
               <a:rPr lang="es-419" sz="1600" dirty="0">
                 <a:solidFill>
                   <a:srgbClr val="000000"/>
                 </a:solidFill>
               </a:rPr>
-              <a:t> de reserva debe asumir la función de reenvío. La transición entre los </a:t>
+              <a:t>debe asumir la función de reenvío. La transición entre los </a:t>
             </a:r>
             <a:r>
               <a:rPr lang="es-419" sz="1600" dirty="0" err="1">
@@ -25443,6 +25333,36 @@
           </a:p>
         </p:txBody>
       </p:sp>
+      <p:pic>
+        <p:nvPicPr>
+          <p:cNvPr id="2" name="Picture 1">
+            <a:extLst>
+              <a:ext uri="{FF2B5EF4-FFF2-40B4-BE49-F238E27FC236}">
+                <a16:creationId xmlns:a16="http://schemas.microsoft.com/office/drawing/2014/main" id="{EA8D9A36-EC98-A924-C514-C0738CF7B95E}"/>
+              </a:ext>
+            </a:extLst>
+          </p:cNvPr>
+          <p:cNvPicPr>
+            <a:picLocks noChangeAspect="1"/>
+          </p:cNvPicPr>
+          <p:nvPr/>
+        </p:nvPicPr>
+        <p:blipFill>
+          <a:blip r:embed="rId3"/>
+          <a:stretch>
+            <a:fillRect/>
+          </a:stretch>
+        </p:blipFill>
+        <p:spPr>
+          <a:xfrm>
+            <a:off x="5037464" y="731837"/>
+            <a:ext cx="3631873" cy="3361540"/>
+          </a:xfrm>
+          <a:prstGeom prst="rect">
+            <a:avLst/>
+          </a:prstGeom>
+        </p:spPr>
+      </p:pic>
     </p:spTree>
     <p:extLst>
       <p:ext uri="{BB962C8B-B14F-4D97-AF65-F5344CB8AC3E}">
@@ -25459,7 +25379,7 @@
         <p:fade/>
       </p:transition>
     </mc:Choice>
-    <mc:Fallback xmlns:c15="http://schemas.microsoft.com/office/drawing/2012/chart" xmlns:c="http://schemas.openxmlformats.org/drawingml/2006/chart" xmlns="">
+    <mc:Fallback xmlns="" xmlns:c="http://schemas.openxmlformats.org/drawingml/2006/chart" xmlns:c15="http://schemas.microsoft.com/office/drawing/2012/chart">
       <p:transition spd="med">
         <p:fade/>
       </p:transition>
@@ -25597,7 +25517,7 @@
               <a:t>Cuando falla el </a:t>
             </a:r>
             <a:r>
-              <a:rPr lang="es-419" sz="1500" dirty="0" err="1">
+              <a:rPr lang="es-419" sz="1500" b="1" dirty="0" err="1">
                 <a:solidFill>
                   <a:srgbClr val="000000"/>
                 </a:solidFill>
@@ -25605,15 +25525,23 @@
               <a:t>router</a:t>
             </a:r>
             <a:r>
-              <a:rPr lang="es-419" sz="1500" dirty="0">
+              <a:rPr lang="es-419" sz="1500" b="1" dirty="0">
                 <a:solidFill>
                   <a:srgbClr val="000000"/>
                 </a:solidFill>
               </a:rPr>
-              <a:t> activo, el protocolo de redundancia hace que el </a:t>
+              <a:t> activo</a:t>
             </a:r>
             <a:r>
-              <a:rPr lang="es-419" sz="1500" dirty="0" err="1">
+              <a:rPr lang="es-419" sz="1500" dirty="0">
+                <a:solidFill>
+                  <a:srgbClr val="000000"/>
+                </a:solidFill>
+              </a:rPr>
+              <a:t>, el protocolo de redundancia hace que el </a:t>
+            </a:r>
+            <a:r>
+              <a:rPr lang="es-419" sz="1500" b="1" dirty="0" err="1">
                 <a:solidFill>
                   <a:srgbClr val="000000"/>
                 </a:solidFill>
@@ -25621,15 +25549,23 @@
               <a:t>router</a:t>
             </a:r>
             <a:r>
-              <a:rPr lang="es-419" sz="1500" dirty="0">
+              <a:rPr lang="es-419" sz="1500" b="1" dirty="0">
                 <a:solidFill>
                   <a:srgbClr val="000000"/>
                 </a:solidFill>
               </a:rPr>
-              <a:t> de reserva asuma el nuevo rol de </a:t>
+              <a:t> de reserva </a:t>
             </a:r>
             <a:r>
-              <a:rPr lang="es-419" sz="1500" dirty="0" err="1">
+              <a:rPr lang="es-419" sz="1500" dirty="0">
+                <a:solidFill>
+                  <a:srgbClr val="000000"/>
+                </a:solidFill>
+              </a:rPr>
+              <a:t>asuma el nuevo rol de </a:t>
+            </a:r>
+            <a:r>
+              <a:rPr lang="es-419" sz="1500" b="1" dirty="0" err="1">
                 <a:solidFill>
                   <a:srgbClr val="000000"/>
                 </a:solidFill>
@@ -25637,12 +25573,20 @@
               <a:t>router</a:t>
             </a:r>
             <a:r>
+              <a:rPr lang="es-419" sz="1500" b="1" dirty="0">
+                <a:solidFill>
+                  <a:srgbClr val="000000"/>
+                </a:solidFill>
+              </a:rPr>
+              <a:t> activo</a:t>
+            </a:r>
+            <a:r>
               <a:rPr lang="es-419" sz="1500" dirty="0">
                 <a:solidFill>
                   <a:srgbClr val="000000"/>
                 </a:solidFill>
               </a:rPr>
-              <a:t> activo.</a:t>
+              <a:t>.</a:t>
             </a:r>
           </a:p>
           <a:p>
@@ -25767,7 +25711,7 @@
         <p:fade/>
       </p:transition>
     </mc:Choice>
-    <mc:Fallback xmlns:c15="http://schemas.microsoft.com/office/drawing/2012/chart" xmlns:c="http://schemas.openxmlformats.org/drawingml/2006/chart" xmlns="">
+    <mc:Fallback xmlns="" xmlns:c="http://schemas.openxmlformats.org/drawingml/2006/chart" xmlns:c15="http://schemas.microsoft.com/office/drawing/2012/chart">
       <p:transition spd="med">
         <p:fade/>
       </p:transition>
@@ -25934,7 +25878,23 @@
                   <a:srgbClr val="000000"/>
                 </a:solidFill>
               </a:rPr>
-              <a:t>Cisco proporciona HSRP como una forma de evitar la pérdida de acceso externo a la red si falla el </a:t>
+              <a:t>Cisco proporciona </a:t>
+            </a:r>
+            <a:r>
+              <a:rPr lang="es-419" sz="1400" b="1" dirty="0">
+                <a:solidFill>
+                  <a:srgbClr val="000000"/>
+                </a:solidFill>
+              </a:rPr>
+              <a:t>HSRP</a:t>
+            </a:r>
+            <a:r>
+              <a:rPr lang="es-419" sz="1400" dirty="0">
+                <a:solidFill>
+                  <a:srgbClr val="000000"/>
+                </a:solidFill>
+              </a:rPr>
+              <a:t> como una forma de evitar la pérdida de acceso externo a la red si falla el </a:t>
             </a:r>
             <a:r>
               <a:rPr lang="es-419" sz="1400" dirty="0" err="1">
@@ -26006,7 +25966,7 @@
         </p:nvSpPr>
         <p:spPr>
           <a:xfrm>
-            <a:off x="431971" y="1783397"/>
+            <a:off x="431971" y="1912936"/>
             <a:ext cx="3065609" cy="2829833"/>
           </a:xfrm>
           <a:prstGeom prst="rect">
@@ -26261,7 +26221,7 @@
         <p:fade/>
       </p:transition>
     </mc:Choice>
-    <mc:Fallback xmlns:c15="http://schemas.microsoft.com/office/drawing/2012/chart" xmlns:c="http://schemas.openxmlformats.org/drawingml/2006/chart" xmlns="">
+    <mc:Fallback xmlns="" xmlns:c="http://schemas.openxmlformats.org/drawingml/2006/chart" xmlns:c15="http://schemas.microsoft.com/office/drawing/2012/chart">
       <p:transition spd="med">
         <p:fade/>
       </p:transition>
@@ -26374,7 +26334,7 @@
           <a:bodyPr/>
           <a:lstStyle/>
           <a:p>
-            <a:pPr marL="0" indent="0" algn="l" rtl="0"/>
+            <a:pPr marL="0" indent="0" algn="just" rtl="0"/>
             <a:r>
               <a:rPr lang="es-419" sz="1400" dirty="0">
                 <a:solidFill>
@@ -26878,7 +26838,7 @@
               <a:t> para que sea el </a:t>
             </a:r>
             <a:r>
-              <a:rPr lang="es-ES" sz="1400" dirty="0" err="1">
+              <a:rPr lang="es-ES" sz="1400" b="1" dirty="0" err="1">
                 <a:solidFill>
                   <a:srgbClr val="000000"/>
                 </a:solidFill>
@@ -26886,12 +26846,20 @@
               <a:t>router</a:t>
             </a:r>
             <a:r>
+              <a:rPr lang="es-ES" sz="1400" b="1" dirty="0">
+                <a:solidFill>
+                  <a:srgbClr val="000000"/>
+                </a:solidFill>
+              </a:rPr>
+              <a:t> activo</a:t>
+            </a:r>
+            <a:r>
               <a:rPr lang="es-ES" sz="1400" dirty="0">
                 <a:solidFill>
                   <a:srgbClr val="000000"/>
                 </a:solidFill>
               </a:rPr>
-              <a:t> activo, utilice el comando de interfaz </a:t>
+              <a:t>, utilice el comando de interfaz </a:t>
             </a:r>
             <a:r>
               <a:rPr lang="es-ES" sz="1400" b="1" dirty="0" err="1">
@@ -26971,7 +26939,7 @@
         <p:fade/>
       </p:transition>
     </mc:Choice>
-    <mc:Fallback xmlns:c15="http://schemas.microsoft.com/office/drawing/2012/chart" xmlns:c="http://schemas.openxmlformats.org/drawingml/2006/chart" xmlns="">
+    <mc:Fallback xmlns="" xmlns:c="http://schemas.openxmlformats.org/drawingml/2006/chart" xmlns:c15="http://schemas.microsoft.com/office/drawing/2012/chart">
       <p:transition spd="med">
         <p:fade/>
       </p:transition>
